--- a/Visualizing World Economic Trends.pptx
+++ b/Visualizing World Economic Trends.pptx
@@ -6773,7 +6773,9 @@
           </a:xfrm>
         </p:spPr>
         <p:txBody>
-          <a:bodyPr/>
+          <a:bodyPr>
+            <a:normAutofit fontScale="92500"/>
+          </a:bodyPr>
           <a:lstStyle/>
           <a:p>
             <a:endParaRPr lang="en-US" dirty="0"/>
@@ -6781,7 +6783,7 @@
           <a:p>
             <a:r>
               <a:rPr lang="en-US" dirty="0"/>
-              <a:t>The European region has the highest total GDP per capita at $1,284,558.10 while Asia has the highest estimated CO</a:t>
+              <a:t>The North American region has the highest median GDP per capita at $49,629.70 while Asia has the highest estimated CO</a:t>
             </a:r>
             <a:r>
               <a:rPr lang="en-US" baseline="-25000" dirty="0"/>
@@ -6798,7 +6800,7 @@
           <a:p>
             <a:r>
               <a:rPr lang="en-US" dirty="0"/>
-              <a:t>What does this tell us about how Carbon efficient a region is?</a:t>
+              <a:t>What does this tell us about how Carbon efficient a region is though?</a:t>
             </a:r>
           </a:p>
           <a:p>
@@ -6808,10 +6810,10 @@
       </p:sp>
       <p:pic>
         <p:nvPicPr>
-          <p:cNvPr id="10" name="Picture 9">
-            <a:extLst>
-              <a:ext uri="{FF2B5EF4-FFF2-40B4-BE49-F238E27FC236}">
-                <a16:creationId xmlns:a16="http://schemas.microsoft.com/office/drawing/2014/main" id="{AFEEFB6F-F8DD-1049-A81D-198D079D6C4C}"/>
+          <p:cNvPr id="5" name="Picture 4">
+            <a:extLst>
+              <a:ext uri="{FF2B5EF4-FFF2-40B4-BE49-F238E27FC236}">
+                <a16:creationId xmlns:a16="http://schemas.microsoft.com/office/drawing/2014/main" id="{75D0263F-CACA-4A48-9602-D539353BA642}"/>
               </a:ext>
             </a:extLst>
           </p:cNvPr>
@@ -6834,8 +6836,8 @@
         </p:blipFill>
         <p:spPr>
           <a:xfrm>
-            <a:off x="6445199" y="4860494"/>
-            <a:ext cx="4804428" cy="1410553"/>
+            <a:off x="6557596" y="2414238"/>
+            <a:ext cx="5053029" cy="2526515"/>
           </a:xfrm>
           <a:prstGeom prst="rect">
             <a:avLst/>
@@ -6844,10 +6846,10 @@
       </p:pic>
       <p:pic>
         <p:nvPicPr>
-          <p:cNvPr id="6" name="Picture 5">
-            <a:extLst>
-              <a:ext uri="{FF2B5EF4-FFF2-40B4-BE49-F238E27FC236}">
-                <a16:creationId xmlns:a16="http://schemas.microsoft.com/office/drawing/2014/main" id="{A6968C31-A8D9-B24C-AF3B-C14779C86FE8}"/>
+          <p:cNvPr id="8" name="Picture 7">
+            <a:extLst>
+              <a:ext uri="{FF2B5EF4-FFF2-40B4-BE49-F238E27FC236}">
+                <a16:creationId xmlns:a16="http://schemas.microsoft.com/office/drawing/2014/main" id="{4DD20D1C-19AE-BB46-A725-692202D95BE8}"/>
               </a:ext>
             </a:extLst>
           </p:cNvPr>
@@ -6870,8 +6872,8 @@
         </p:blipFill>
         <p:spPr>
           <a:xfrm>
-            <a:off x="6331913" y="2277801"/>
-            <a:ext cx="5503762" cy="2751881"/>
+            <a:off x="6643315" y="4940753"/>
+            <a:ext cx="4881590" cy="1350638"/>
           </a:xfrm>
           <a:prstGeom prst="rect">
             <a:avLst/>
@@ -7172,10 +7174,10 @@
       </p:sp>
       <p:pic>
         <p:nvPicPr>
-          <p:cNvPr id="7" name="Picture 6">
-            <a:extLst>
-              <a:ext uri="{FF2B5EF4-FFF2-40B4-BE49-F238E27FC236}">
-                <a16:creationId xmlns:a16="http://schemas.microsoft.com/office/drawing/2014/main" id="{4AF4063F-56AF-AE45-8FB0-D22803701AF2}"/>
+          <p:cNvPr id="8" name="Picture 7">
+            <a:extLst>
+              <a:ext uri="{FF2B5EF4-FFF2-40B4-BE49-F238E27FC236}">
+                <a16:creationId xmlns:a16="http://schemas.microsoft.com/office/drawing/2014/main" id="{A026DF91-2FA1-2A45-8B48-87BB354D81C7}"/>
               </a:ext>
             </a:extLst>
           </p:cNvPr>
@@ -7198,8 +7200,8 @@
         </p:blipFill>
         <p:spPr>
           <a:xfrm>
-            <a:off x="6755136" y="2963118"/>
-            <a:ext cx="3467179" cy="2500019"/>
+            <a:off x="0" y="3374876"/>
+            <a:ext cx="5974381" cy="1632021"/>
           </a:xfrm>
           <a:prstGeom prst="rect">
             <a:avLst/>
@@ -7208,10 +7210,10 @@
       </p:pic>
       <p:pic>
         <p:nvPicPr>
-          <p:cNvPr id="13" name="Picture 12">
-            <a:extLst>
-              <a:ext uri="{FF2B5EF4-FFF2-40B4-BE49-F238E27FC236}">
-                <a16:creationId xmlns:a16="http://schemas.microsoft.com/office/drawing/2014/main" id="{B23CCD03-AF82-C142-BF1F-4C934EDFAED7}"/>
+          <p:cNvPr id="10" name="Picture 9">
+            <a:extLst>
+              <a:ext uri="{FF2B5EF4-FFF2-40B4-BE49-F238E27FC236}">
+                <a16:creationId xmlns:a16="http://schemas.microsoft.com/office/drawing/2014/main" id="{29BBAFA8-1DDF-E040-90C4-E547A6EE372C}"/>
               </a:ext>
             </a:extLst>
           </p:cNvPr>
@@ -7234,8 +7236,8 @@
         </p:blipFill>
         <p:spPr>
           <a:xfrm>
-            <a:off x="111394" y="3345083"/>
-            <a:ext cx="5859627" cy="1412112"/>
+            <a:off x="6814073" y="2863878"/>
+            <a:ext cx="4036063" cy="2892152"/>
           </a:xfrm>
           <a:prstGeom prst="rect">
             <a:avLst/>
@@ -7531,20 +7533,17 @@
           <a:p>
             <a:r>
               <a:rPr lang="en-US" dirty="0"/>
-              <a:t>Europe has the most Carbon efficient economy by a wide margin, while while North America and Asia come in at the bottom.</a:t>
-            </a:r>
-          </a:p>
-          <a:p>
-            <a:endParaRPr lang="en-US" dirty="0"/>
+              <a:t>Asia has the least carbon efficient economy by a wide margin, while while North America has the most carbon efficient economy.</a:t>
+            </a:r>
           </a:p>
         </p:txBody>
       </p:sp>
       <p:pic>
         <p:nvPicPr>
-          <p:cNvPr id="11" name="Content Placeholder 6">
-            <a:extLst>
-              <a:ext uri="{FF2B5EF4-FFF2-40B4-BE49-F238E27FC236}">
-                <a16:creationId xmlns:a16="http://schemas.microsoft.com/office/drawing/2014/main" id="{0760C671-0EB2-A540-95CF-D5376A72B9E7}"/>
+          <p:cNvPr id="5" name="Picture 4">
+            <a:extLst>
+              <a:ext uri="{FF2B5EF4-FFF2-40B4-BE49-F238E27FC236}">
+                <a16:creationId xmlns:a16="http://schemas.microsoft.com/office/drawing/2014/main" id="{EE88BCE2-AC45-BC45-8887-26E933E603AD}"/>
               </a:ext>
             </a:extLst>
           </p:cNvPr>
@@ -7567,8 +7566,8 @@
         </p:blipFill>
         <p:spPr>
           <a:xfrm>
-            <a:off x="6354502" y="2488557"/>
-            <a:ext cx="5773998" cy="3849331"/>
+            <a:off x="6199805" y="2596836"/>
+            <a:ext cx="5486400" cy="3657600"/>
           </a:xfrm>
           <a:prstGeom prst="rect">
             <a:avLst/>
